--- a/core/notes/lucene/codec/索引文件格式/Lucene索引文件.pptx
+++ b/core/notes/lucene/codec/索引文件格式/Lucene索引文件.pptx
@@ -8729,6 +8729,10 @@
             </a:br>
             <a:r>
               <a:rPr lang="zh-CN" altLang="en-US" sz="1600" dirty="0"/>
+              <a:t>逻辑</a:t>
+            </a:r>
+            <a:r>
+              <a:rPr lang="zh-CN" altLang="en-US" sz="1600" dirty="0"/>
               <a:t>结构上类似于字典树</a:t>
             </a:r>
             <a:br>
@@ -14915,7 +14919,7 @@
                       </a:pPr>
                       <a:r>
                         <a:rPr lang="zh-CN" altLang="en-US">
-                          <a:hlinkClick r:id="rId2" tooltip="" action="ppaction://hlinksldjump"/>
+                          <a:hlinkClick r:id="rId2" action="ppaction://hlinksldjump"/>
                         </a:rPr>
                         <a:t>提交点文件</a:t>
                       </a:r>
@@ -14975,7 +14979,7 @@
                       </a:pPr>
                       <a:r>
                         <a:rPr lang="zh-CN" altLang="en-US">
-                          <a:hlinkClick r:id="rId3" tooltip="" action="ppaction://hlinksldjump"/>
+                          <a:hlinkClick r:id="rId3" action="ppaction://hlinksldjump"/>
                         </a:rPr>
                         <a:t>段信息</a:t>
                       </a:r>
@@ -15035,7 +15039,7 @@
                       </a:pPr>
                       <a:r>
                         <a:rPr lang="zh-CN" altLang="en-US">
-                          <a:hlinkClick r:id="rId4" tooltip="" action="ppaction://hlinksldjump"/>
+                          <a:hlinkClick r:id="rId4" action="ppaction://hlinksldjump"/>
                         </a:rPr>
                         <a:t>字段信息</a:t>
                       </a:r>
@@ -15087,7 +15091,7 @@
                       </a:pPr>
                       <a:r>
                         <a:rPr lang="zh-CN" altLang="en-US">
-                          <a:hlinkClick r:id="rId5" tooltip="" action="ppaction://hlinksldjump"/>
+                          <a:hlinkClick r:id="rId5" action="ppaction://hlinksldjump"/>
                         </a:rPr>
                         <a:t>存储字段值</a:t>
                       </a:r>
@@ -15141,7 +15145,7 @@
                       </a:pPr>
                       <a:r>
                         <a:rPr lang="zh-CN" altLang="en-US">
-                          <a:hlinkClick r:id="rId6" tooltip="" action="ppaction://hlinksldjump"/>
+                          <a:hlinkClick r:id="rId6" action="ppaction://hlinksldjump"/>
                         </a:rPr>
                         <a:t>倒排索引</a:t>
                       </a:r>

--- a/core/notes/lucene/codec/索引文件格式/Lucene索引文件.pptx
+++ b/core/notes/lucene/codec/索引文件格式/Lucene索引文件.pptx
@@ -9351,8 +9351,8 @@
         </p:nvSpPr>
         <p:spPr>
           <a:xfrm>
-            <a:off x="617219" y="6158863"/>
-            <a:ext cx="2331086" cy="276999"/>
+            <a:off x="242569" y="6158863"/>
+            <a:ext cx="2331086" cy="306705"/>
           </a:xfrm>
           <a:prstGeom prst="rect">
             <a:avLst/>
@@ -9366,30 +9366,30 @@
           <a:lstStyle/>
           <a:p>
             <a:r>
-              <a:rPr lang="zh-CN" altLang="en-US" sz="1200" dirty="0"/>
+              <a:rPr lang="zh-CN" altLang="en-US" sz="1400" b="1" dirty="0"/>
               <a:t>一个</a:t>
             </a:r>
             <a:r>
-              <a:rPr lang="en-US" altLang="zh-CN" sz="1200" dirty="0"/>
+              <a:rPr lang="en-US" altLang="zh-CN" sz="1400" b="1" dirty="0"/>
               <a:t>block</a:t>
             </a:r>
             <a:r>
-              <a:rPr lang="zh-CN" altLang="en-US" sz="1200" dirty="0"/>
+              <a:rPr lang="zh-CN" altLang="en-US" sz="1400" b="1" dirty="0"/>
               <a:t>中</a:t>
             </a:r>
             <a:r>
-              <a:rPr lang="en-US" altLang="zh-CN" sz="1200" dirty="0"/>
+              <a:rPr lang="en-US" altLang="zh-CN" sz="1400" b="1" dirty="0"/>
               <a:t>25-48</a:t>
             </a:r>
             <a:r>
-              <a:rPr lang="zh-CN" altLang="en-US" sz="1200" dirty="0"/>
+              <a:rPr lang="zh-CN" altLang="en-US" sz="1400" b="1" dirty="0"/>
               <a:t>个</a:t>
             </a:r>
             <a:r>
-              <a:rPr lang="en-US" altLang="zh-CN" sz="1200" dirty="0"/>
+              <a:rPr lang="en-US" altLang="zh-CN" sz="1400" b="1" dirty="0"/>
               <a:t>term</a:t>
             </a:r>
-            <a:endParaRPr lang="en-US" altLang="zh-CN" sz="1200" dirty="0"/>
+            <a:endParaRPr lang="en-US" altLang="zh-CN" sz="1400" b="1" dirty="0"/>
           </a:p>
         </p:txBody>
       </p:sp>

--- a/core/notes/lucene/codec/索引文件格式/Lucene索引文件.pptx
+++ b/core/notes/lucene/codec/索引文件格式/Lucene索引文件.pptx
@@ -14377,7 +14377,7 @@
         <p:spPr>
           <a:xfrm>
             <a:off x="622300" y="422275"/>
-            <a:ext cx="10649585" cy="4799965"/>
+            <a:ext cx="10649585" cy="5631180"/>
           </a:xfrm>
           <a:prstGeom prst="rect">
             <a:avLst/>
@@ -14414,11 +14414,47 @@
           <a:p>
             <a:r>
               <a:rPr lang="zh-CN" altLang="en-US"/>
-              <a:t>每次查询时，都要重新从磁盘读取整个树。 因此，数值类型的查询比较耗时 </a:t>
+              <a:t>每次查询时，都要重新从磁盘读取整个树。 通常</a:t>
+            </a:r>
+            <a:r>
+              <a:rPr lang="en-US" altLang="zh-CN"/>
+              <a:t>BKD-Tree</a:t>
+            </a:r>
+            <a:r>
+              <a:rPr lang="zh-CN" altLang="en-US"/>
+              <a:t>的查询速度要比倒排索引慢</a:t>
             </a:r>
             <a:endParaRPr lang="zh-CN" altLang="en-US"/>
           </a:p>
           <a:p>
+            <a:r>
+              <a:rPr lang="zh-CN" altLang="en-US"/>
+              <a:t>而且，</a:t>
+            </a:r>
+            <a:r>
+              <a:rPr lang="en-US" altLang="zh-CN"/>
+              <a:t>BKD-Tree</a:t>
+            </a:r>
+            <a:r>
+              <a:rPr lang="zh-CN" altLang="en-US"/>
+              <a:t>的查询结果中，</a:t>
+            </a:r>
+            <a:r>
+              <a:rPr lang="en-US" altLang="zh-CN"/>
+              <a:t>doc id set </a:t>
+            </a:r>
+            <a:r>
+              <a:rPr lang="zh-CN" altLang="en-US"/>
+              <a:t>是无序的，在与其他</a:t>
+            </a:r>
+            <a:r>
+              <a:rPr lang="en-US" altLang="zh-CN"/>
+              <a:t>doc id set</a:t>
+            </a:r>
+            <a:r>
+              <a:rPr lang="zh-CN" altLang="en-US"/>
+              <a:t>合并时，还需要重新排序。</a:t>
+            </a:r>
             <a:endParaRPr lang="en-US" altLang="zh-CN"/>
           </a:p>
           <a:p>
@@ -14604,7 +14640,31 @@
             </a:r>
             <a:r>
               <a:rPr lang="zh-CN" altLang="en-US"/>
-              <a:t>查询时会使用查询更快的倒排索引，而且有跳跃表可以加速跟其他查询条件的合并。</a:t>
+              <a:t>查询时会使用查询更快的倒排索引，而且有跳跃表可以加速跟其他查询条件的合并。  倒排索引中的文档</a:t>
+            </a:r>
+            <a:r>
+              <a:rPr lang="en-US" altLang="zh-CN"/>
+              <a:t>ID</a:t>
+            </a:r>
+            <a:r>
+              <a:rPr lang="zh-CN" altLang="en-US"/>
+              <a:t>还是按</a:t>
+            </a:r>
+            <a:r>
+              <a:rPr lang="en-US" altLang="zh-CN"/>
+              <a:t>docid</a:t>
+            </a:r>
+            <a:r>
+              <a:rPr lang="zh-CN" altLang="en-US"/>
+              <a:t>顺序排列的，可以结合</a:t>
+            </a:r>
+            <a:r>
+              <a:rPr lang="en-US" altLang="zh-CN"/>
+              <a:t>IndexSorting</a:t>
+            </a:r>
+            <a:r>
+              <a:rPr lang="zh-CN" altLang="en-US"/>
+              <a:t>加速查询。</a:t>
             </a:r>
             <a:endParaRPr lang="en-US" altLang="zh-CN"/>
           </a:p>
@@ -14715,6 +14775,51 @@
               <a:t>1 </a:t>
             </a:r>
             <a:endParaRPr lang="en-US" altLang="zh-CN"/>
+          </a:p>
+          <a:p>
+            <a:endParaRPr lang="en-US" altLang="zh-CN"/>
+          </a:p>
+          <a:p>
+            <a:endParaRPr lang="en-US" altLang="zh-CN"/>
+          </a:p>
+          <a:p>
+            <a:r>
+              <a:rPr lang="en-US" altLang="zh-CN" b="1">
+                <a:solidFill>
+                  <a:srgbClr val="FF0000"/>
+                </a:solidFill>
+              </a:rPr>
+              <a:t>TODO: </a:t>
+            </a:r>
+            <a:r>
+              <a:rPr lang="zh-CN" altLang="en-US" b="1">
+                <a:solidFill>
+                  <a:srgbClr val="FF0000"/>
+                </a:solidFill>
+              </a:rPr>
+              <a:t>倒排索引和</a:t>
+            </a:r>
+            <a:r>
+              <a:rPr lang="en-US" altLang="zh-CN" b="1">
+                <a:solidFill>
+                  <a:srgbClr val="FF0000"/>
+                </a:solidFill>
+              </a:rPr>
+              <a:t>BKD-Tree</a:t>
+            </a:r>
+            <a:r>
+              <a:rPr lang="zh-CN" altLang="en-US" b="1">
+                <a:solidFill>
+                  <a:srgbClr val="FF0000"/>
+                </a:solidFill>
+              </a:rPr>
+              <a:t>的性能测试。</a:t>
+            </a:r>
+            <a:endParaRPr lang="zh-CN" altLang="en-US" b="1">
+              <a:solidFill>
+                <a:srgbClr val="FF0000"/>
+              </a:solidFill>
+            </a:endParaRPr>
           </a:p>
         </p:txBody>
       </p:sp>
